--- a/Documents/5. 발표/세상모든키보드.pptx
+++ b/Documents/5. 발표/세상모든키보드.pptx
@@ -17,9 +17,11 @@
     <p:sldId id="270" r:id="rId11"/>
     <p:sldId id="271" r:id="rId12"/>
     <p:sldId id="279" r:id="rId13"/>
-    <p:sldId id="272" r:id="rId14"/>
-    <p:sldId id="273" r:id="rId15"/>
-    <p:sldId id="265" r:id="rId16"/>
+    <p:sldId id="280" r:id="rId14"/>
+    <p:sldId id="281" r:id="rId15"/>
+    <p:sldId id="272" r:id="rId16"/>
+    <p:sldId id="273" r:id="rId17"/>
+    <p:sldId id="265" r:id="rId18"/>
   </p:sldIdLst>
   <p:sldSz cx="12192000" cy="6858000"/>
   <p:notesSz cx="6858000" cy="9144000"/>
@@ -8683,6 +8685,42 @@
           </a:p>
         </p:txBody>
       </p:sp>
+      <p:pic>
+        <p:nvPicPr>
+          <p:cNvPr id="9" name="그림 8">
+            <a:extLst>
+              <a:ext uri="{FF2B5EF4-FFF2-40B4-BE49-F238E27FC236}">
+                <a16:creationId xmlns:a16="http://schemas.microsoft.com/office/drawing/2014/main" id="{07312D34-751C-49B4-B08E-4F1475843D23}"/>
+              </a:ext>
+            </a:extLst>
+          </p:cNvPr>
+          <p:cNvPicPr>
+            <a:picLocks noChangeAspect="1"/>
+          </p:cNvPicPr>
+          <p:nvPr/>
+        </p:nvPicPr>
+        <p:blipFill>
+          <a:blip r:embed="rId2">
+            <a:extLst>
+              <a:ext uri="{28A0092B-C50C-407E-A947-70E740481C1C}">
+                <a14:useLocalDpi xmlns:a14="http://schemas.microsoft.com/office/drawing/2010/main" val="0"/>
+              </a:ext>
+            </a:extLst>
+          </a:blip>
+          <a:stretch>
+            <a:fillRect/>
+          </a:stretch>
+        </p:blipFill>
+        <p:spPr>
+          <a:xfrm>
+            <a:off x="447675" y="1265948"/>
+            <a:ext cx="11301328" cy="5134851"/>
+          </a:xfrm>
+          <a:prstGeom prst="rect">
+            <a:avLst/>
+          </a:prstGeom>
+        </p:spPr>
+      </p:pic>
     </p:spTree>
     <p:extLst>
       <p:ext uri="{BB962C8B-B14F-4D97-AF65-F5344CB8AC3E}">
@@ -8804,8 +8842,8 @@
           <a:lstStyle/>
           <a:p>
             <a:r>
-              <a:rPr lang="ko-KR" altLang="en-US" sz="3200"/>
-              <a:t>프로그램 시연</a:t>
+              <a:rPr lang="ko-KR" altLang="en-US" sz="3200" dirty="0"/>
+              <a:t>구현</a:t>
             </a:r>
             <a:endParaRPr lang="en-US" altLang="ko-KR" sz="3200" dirty="0"/>
           </a:p>
@@ -8905,7 +8943,7 @@
     </p:spTree>
     <p:extLst>
       <p:ext uri="{BB962C8B-B14F-4D97-AF65-F5344CB8AC3E}">
-        <p14:creationId xmlns:p14="http://schemas.microsoft.com/office/powerpoint/2010/main" val="1990405365"/>
+        <p14:creationId xmlns:p14="http://schemas.microsoft.com/office/powerpoint/2010/main" val="3946388042"/>
       </p:ext>
     </p:extLst>
   </p:cSld>
@@ -9088,6 +9126,547 @@
             </a:r>
             <a:r>
               <a:rPr lang="ko-KR" altLang="en-US" sz="3200" dirty="0"/>
+              <a:t>구현</a:t>
+            </a:r>
+            <a:endParaRPr lang="en-US" altLang="ko-KR" sz="3200" dirty="0"/>
+          </a:p>
+        </p:txBody>
+      </p:sp>
+      <p:cxnSp>
+        <p:nvCxnSpPr>
+          <p:cNvPr id="7" name="직선 연결선 6">
+            <a:extLst>
+              <a:ext uri="{FF2B5EF4-FFF2-40B4-BE49-F238E27FC236}">
+                <a16:creationId xmlns:a16="http://schemas.microsoft.com/office/drawing/2014/main" id="{44A618D1-5F13-2C13-8C41-A6C2A1EA529E}"/>
+              </a:ext>
+            </a:extLst>
+          </p:cNvPr>
+          <p:cNvCxnSpPr>
+            <a:cxnSpLocks/>
+          </p:cNvCxnSpPr>
+          <p:nvPr/>
+        </p:nvCxnSpPr>
+        <p:spPr>
+          <a:xfrm>
+            <a:off x="361949" y="1172080"/>
+            <a:ext cx="4286251" cy="6281"/>
+          </a:xfrm>
+          <a:prstGeom prst="line">
+            <a:avLst/>
+          </a:prstGeom>
+        </p:spPr>
+        <p:style>
+          <a:lnRef idx="1">
+            <a:schemeClr val="dk1"/>
+          </a:lnRef>
+          <a:fillRef idx="0">
+            <a:schemeClr val="dk1"/>
+          </a:fillRef>
+          <a:effectRef idx="0">
+            <a:schemeClr val="dk1"/>
+          </a:effectRef>
+          <a:fontRef idx="minor">
+            <a:schemeClr val="tx1"/>
+          </a:fontRef>
+        </p:style>
+      </p:cxnSp>
+      <p:sp>
+        <p:nvSpPr>
+          <p:cNvPr id="2" name="사각형: 둥근 모서리 1">
+            <a:extLst>
+              <a:ext uri="{FF2B5EF4-FFF2-40B4-BE49-F238E27FC236}">
+                <a16:creationId xmlns:a16="http://schemas.microsoft.com/office/drawing/2014/main" id="{736461E9-BD97-78A2-A055-43FD2FE7D3B5}"/>
+              </a:ext>
+            </a:extLst>
+          </p:cNvPr>
+          <p:cNvSpPr/>
+          <p:nvPr/>
+        </p:nvSpPr>
+        <p:spPr>
+          <a:xfrm>
+            <a:off x="9083040" y="584233"/>
+            <a:ext cx="2531200" cy="587847"/>
+          </a:xfrm>
+          <a:prstGeom prst="roundRect">
+            <a:avLst/>
+          </a:prstGeom>
+          <a:solidFill>
+            <a:srgbClr val="061512"/>
+          </a:solidFill>
+          <a:ln>
+            <a:noFill/>
+          </a:ln>
+        </p:spPr>
+        <p:style>
+          <a:lnRef idx="2">
+            <a:schemeClr val="accent1">
+              <a:shade val="15000"/>
+            </a:schemeClr>
+          </a:lnRef>
+          <a:fillRef idx="1">
+            <a:schemeClr val="accent1"/>
+          </a:fillRef>
+          <a:effectRef idx="0">
+            <a:schemeClr val="accent1"/>
+          </a:effectRef>
+          <a:fontRef idx="minor">
+            <a:schemeClr val="lt1"/>
+          </a:fontRef>
+        </p:style>
+        <p:txBody>
+          <a:bodyPr rtlCol="0" anchor="ctr"/>
+          <a:lstStyle/>
+          <a:p>
+            <a:pPr algn="ctr"/>
+            <a:endParaRPr lang="ko-KR" altLang="en-US"/>
+          </a:p>
+        </p:txBody>
+      </p:sp>
+      <p:sp>
+        <p:nvSpPr>
+          <p:cNvPr id="3" name="TextBox 2">
+            <a:extLst>
+              <a:ext uri="{FF2B5EF4-FFF2-40B4-BE49-F238E27FC236}">
+                <a16:creationId xmlns:a16="http://schemas.microsoft.com/office/drawing/2014/main" id="{743E6723-CDED-7E93-381E-C683CC8602E6}"/>
+              </a:ext>
+            </a:extLst>
+          </p:cNvPr>
+          <p:cNvSpPr txBox="1"/>
+          <p:nvPr/>
+        </p:nvSpPr>
+        <p:spPr>
+          <a:xfrm>
+            <a:off x="9235440" y="678101"/>
+            <a:ext cx="2242457" cy="400110"/>
+          </a:xfrm>
+          <a:prstGeom prst="rect">
+            <a:avLst/>
+          </a:prstGeom>
+          <a:noFill/>
+        </p:spPr>
+        <p:txBody>
+          <a:bodyPr wrap="square">
+            <a:spAutoFit/>
+          </a:bodyPr>
+          <a:lstStyle/>
+          <a:p>
+            <a:pPr algn="ctr"/>
+            <a:r>
+              <a:rPr lang="ko-KR" altLang="en-US" sz="2000" dirty="0">
+                <a:solidFill>
+                  <a:schemeClr val="bg1"/>
+                </a:solidFill>
+              </a:rPr>
+              <a:t>로그인</a:t>
+            </a:r>
+          </a:p>
+        </p:txBody>
+      </p:sp>
+    </p:spTree>
+    <p:extLst>
+      <p:ext uri="{BB962C8B-B14F-4D97-AF65-F5344CB8AC3E}">
+        <p14:creationId xmlns:p14="http://schemas.microsoft.com/office/powerpoint/2010/main" val="2422476361"/>
+      </p:ext>
+    </p:extLst>
+  </p:cSld>
+  <p:clrMapOvr>
+    <a:masterClrMapping/>
+  </p:clrMapOvr>
+</p:sld>
+</file>
+
+<file path=ppt/slides/slide15.xml><?xml version="1.0" encoding="utf-8"?>
+<p:sld xmlns:a="http://schemas.openxmlformats.org/drawingml/2006/main" xmlns:r="http://schemas.openxmlformats.org/officeDocument/2006/relationships" xmlns:p="http://schemas.openxmlformats.org/presentationml/2006/main">
+  <p:cSld>
+    <p:bg>
+      <p:bgPr>
+        <a:solidFill>
+          <a:schemeClr val="bg1">
+            <a:lumMod val="85000"/>
+          </a:schemeClr>
+        </a:solidFill>
+        <a:effectLst/>
+      </p:bgPr>
+    </p:bg>
+    <p:spTree>
+      <p:nvGrpSpPr>
+        <p:cNvPr id="1" name=""/>
+        <p:cNvGrpSpPr/>
+        <p:nvPr/>
+      </p:nvGrpSpPr>
+      <p:grpSpPr>
+        <a:xfrm>
+          <a:off x="0" y="0"/>
+          <a:ext cx="0" cy="0"/>
+          <a:chOff x="0" y="0"/>
+          <a:chExt cx="0" cy="0"/>
+        </a:xfrm>
+      </p:grpSpPr>
+      <p:sp>
+        <p:nvSpPr>
+          <p:cNvPr id="7" name="순서도: 지연 6">
+            <a:extLst>
+              <a:ext uri="{FF2B5EF4-FFF2-40B4-BE49-F238E27FC236}">
+                <a16:creationId xmlns:a16="http://schemas.microsoft.com/office/drawing/2014/main" id="{09D5BD2B-2409-8D35-E922-94BA37A4A57E}"/>
+              </a:ext>
+            </a:extLst>
+          </p:cNvPr>
+          <p:cNvSpPr/>
+          <p:nvPr/>
+        </p:nvSpPr>
+        <p:spPr>
+          <a:xfrm>
+            <a:off x="3968750" y="2588927"/>
+            <a:ext cx="1047750" cy="1095375"/>
+          </a:xfrm>
+          <a:prstGeom prst="flowChartDelay">
+            <a:avLst/>
+          </a:prstGeom>
+          <a:solidFill>
+            <a:srgbClr val="061512"/>
+          </a:solidFill>
+          <a:ln>
+            <a:noFill/>
+          </a:ln>
+        </p:spPr>
+        <p:style>
+          <a:lnRef idx="2">
+            <a:schemeClr val="accent1">
+              <a:shade val="15000"/>
+            </a:schemeClr>
+          </a:lnRef>
+          <a:fillRef idx="1">
+            <a:schemeClr val="accent1"/>
+          </a:fillRef>
+          <a:effectRef idx="0">
+            <a:schemeClr val="accent1"/>
+          </a:effectRef>
+          <a:fontRef idx="minor">
+            <a:schemeClr val="lt1"/>
+          </a:fontRef>
+        </p:style>
+        <p:txBody>
+          <a:bodyPr rtlCol="0" anchor="ctr"/>
+          <a:lstStyle/>
+          <a:p>
+            <a:pPr algn="ctr"/>
+            <a:endParaRPr lang="ko-KR" altLang="en-US"/>
+          </a:p>
+        </p:txBody>
+      </p:sp>
+      <p:sp>
+        <p:nvSpPr>
+          <p:cNvPr id="5" name="TextBox 4">
+            <a:extLst>
+              <a:ext uri="{FF2B5EF4-FFF2-40B4-BE49-F238E27FC236}">
+                <a16:creationId xmlns:a16="http://schemas.microsoft.com/office/drawing/2014/main" id="{5FF0F11D-156B-5DF5-CD42-18DB5057FF94}"/>
+              </a:ext>
+            </a:extLst>
+          </p:cNvPr>
+          <p:cNvSpPr txBox="1"/>
+          <p:nvPr/>
+        </p:nvSpPr>
+        <p:spPr>
+          <a:xfrm>
+            <a:off x="5160963" y="2844225"/>
+            <a:ext cx="2979737" cy="584775"/>
+          </a:xfrm>
+          <a:prstGeom prst="rect">
+            <a:avLst/>
+          </a:prstGeom>
+          <a:noFill/>
+        </p:spPr>
+        <p:txBody>
+          <a:bodyPr wrap="square">
+            <a:spAutoFit/>
+          </a:bodyPr>
+          <a:lstStyle/>
+          <a:p>
+            <a:r>
+              <a:rPr lang="ko-KR" altLang="en-US" sz="3200"/>
+              <a:t>프로그램 시연</a:t>
+            </a:r>
+            <a:endParaRPr lang="en-US" altLang="ko-KR" sz="3200" dirty="0"/>
+          </a:p>
+        </p:txBody>
+      </p:sp>
+      <p:sp>
+        <p:nvSpPr>
+          <p:cNvPr id="6" name="TextBox 5">
+            <a:extLst>
+              <a:ext uri="{FF2B5EF4-FFF2-40B4-BE49-F238E27FC236}">
+                <a16:creationId xmlns:a16="http://schemas.microsoft.com/office/drawing/2014/main" id="{4D7DAA2F-24D9-0C94-81D3-B7B1EFB30FE3}"/>
+              </a:ext>
+            </a:extLst>
+          </p:cNvPr>
+          <p:cNvSpPr txBox="1"/>
+          <p:nvPr/>
+        </p:nvSpPr>
+        <p:spPr>
+          <a:xfrm>
+            <a:off x="4252913" y="2800746"/>
+            <a:ext cx="1119188" cy="646331"/>
+          </a:xfrm>
+          <a:prstGeom prst="rect">
+            <a:avLst/>
+          </a:prstGeom>
+          <a:noFill/>
+        </p:spPr>
+        <p:txBody>
+          <a:bodyPr wrap="square">
+            <a:spAutoFit/>
+          </a:bodyPr>
+          <a:lstStyle/>
+          <a:p>
+            <a:r>
+              <a:rPr lang="en-US" altLang="ko-KR" sz="3600" dirty="0">
+                <a:solidFill>
+                  <a:schemeClr val="bg1"/>
+                </a:solidFill>
+              </a:rPr>
+              <a:t>5</a:t>
+            </a:r>
+          </a:p>
+        </p:txBody>
+      </p:sp>
+      <p:sp>
+        <p:nvSpPr>
+          <p:cNvPr id="8" name="직사각형 7">
+            <a:extLst>
+              <a:ext uri="{FF2B5EF4-FFF2-40B4-BE49-F238E27FC236}">
+                <a16:creationId xmlns:a16="http://schemas.microsoft.com/office/drawing/2014/main" id="{7ADFE839-A97D-FA12-92F0-992FB639A2A2}"/>
+              </a:ext>
+            </a:extLst>
+          </p:cNvPr>
+          <p:cNvSpPr/>
+          <p:nvPr/>
+        </p:nvSpPr>
+        <p:spPr>
+          <a:xfrm>
+            <a:off x="361949" y="304799"/>
+            <a:ext cx="11477625" cy="6200775"/>
+          </a:xfrm>
+          <a:prstGeom prst="rect">
+            <a:avLst/>
+          </a:prstGeom>
+          <a:noFill/>
+          <a:ln>
+            <a:solidFill>
+              <a:schemeClr val="tx1"/>
+            </a:solidFill>
+          </a:ln>
+        </p:spPr>
+        <p:style>
+          <a:lnRef idx="2">
+            <a:schemeClr val="accent1">
+              <a:shade val="15000"/>
+            </a:schemeClr>
+          </a:lnRef>
+          <a:fillRef idx="1">
+            <a:schemeClr val="accent1"/>
+          </a:fillRef>
+          <a:effectRef idx="0">
+            <a:schemeClr val="accent1"/>
+          </a:effectRef>
+          <a:fontRef idx="minor">
+            <a:schemeClr val="lt1"/>
+          </a:fontRef>
+        </p:style>
+        <p:txBody>
+          <a:bodyPr rtlCol="0" anchor="ctr"/>
+          <a:lstStyle/>
+          <a:p>
+            <a:pPr algn="ctr"/>
+            <a:endParaRPr lang="ko-KR" altLang="en-US"/>
+          </a:p>
+        </p:txBody>
+      </p:sp>
+    </p:spTree>
+    <p:extLst>
+      <p:ext uri="{BB962C8B-B14F-4D97-AF65-F5344CB8AC3E}">
+        <p14:creationId xmlns:p14="http://schemas.microsoft.com/office/powerpoint/2010/main" val="1990405365"/>
+      </p:ext>
+    </p:extLst>
+  </p:cSld>
+  <p:clrMapOvr>
+    <a:masterClrMapping/>
+  </p:clrMapOvr>
+</p:sld>
+</file>
+
+<file path=ppt/slides/slide16.xml><?xml version="1.0" encoding="utf-8"?>
+<p:sld xmlns:a="http://schemas.openxmlformats.org/drawingml/2006/main" xmlns:r="http://schemas.openxmlformats.org/officeDocument/2006/relationships" xmlns:p="http://schemas.openxmlformats.org/presentationml/2006/main">
+  <p:cSld>
+    <p:bg>
+      <p:bgPr>
+        <a:solidFill>
+          <a:schemeClr val="bg1">
+            <a:lumMod val="85000"/>
+          </a:schemeClr>
+        </a:solidFill>
+        <a:effectLst/>
+      </p:bgPr>
+    </p:bg>
+    <p:spTree>
+      <p:nvGrpSpPr>
+        <p:cNvPr id="1" name=""/>
+        <p:cNvGrpSpPr/>
+        <p:nvPr/>
+      </p:nvGrpSpPr>
+      <p:grpSpPr>
+        <a:xfrm>
+          <a:off x="0" y="0"/>
+          <a:ext cx="0" cy="0"/>
+          <a:chOff x="0" y="0"/>
+          <a:chExt cx="0" cy="0"/>
+        </a:xfrm>
+      </p:grpSpPr>
+      <p:sp>
+        <p:nvSpPr>
+          <p:cNvPr id="4" name="직사각형 3">
+            <a:extLst>
+              <a:ext uri="{FF2B5EF4-FFF2-40B4-BE49-F238E27FC236}">
+                <a16:creationId xmlns:a16="http://schemas.microsoft.com/office/drawing/2014/main" id="{CC9AC921-7FA8-1BC5-DDC8-8811743FCBCF}"/>
+              </a:ext>
+            </a:extLst>
+          </p:cNvPr>
+          <p:cNvSpPr/>
+          <p:nvPr/>
+        </p:nvSpPr>
+        <p:spPr>
+          <a:xfrm>
+            <a:off x="361949" y="304799"/>
+            <a:ext cx="11477625" cy="6200775"/>
+          </a:xfrm>
+          <a:prstGeom prst="rect">
+            <a:avLst/>
+          </a:prstGeom>
+          <a:noFill/>
+          <a:ln>
+            <a:solidFill>
+              <a:schemeClr val="tx1"/>
+            </a:solidFill>
+          </a:ln>
+        </p:spPr>
+        <p:style>
+          <a:lnRef idx="2">
+            <a:schemeClr val="accent1">
+              <a:shade val="15000"/>
+            </a:schemeClr>
+          </a:lnRef>
+          <a:fillRef idx="1">
+            <a:schemeClr val="accent1"/>
+          </a:fillRef>
+          <a:effectRef idx="0">
+            <a:schemeClr val="accent1"/>
+          </a:effectRef>
+          <a:fontRef idx="minor">
+            <a:schemeClr val="lt1"/>
+          </a:fontRef>
+        </p:style>
+        <p:txBody>
+          <a:bodyPr rtlCol="0" anchor="ctr"/>
+          <a:lstStyle/>
+          <a:p>
+            <a:pPr algn="ctr"/>
+            <a:endParaRPr lang="ko-KR" altLang="en-US"/>
+          </a:p>
+        </p:txBody>
+      </p:sp>
+      <p:sp>
+        <p:nvSpPr>
+          <p:cNvPr id="5" name="순서도: 지연 4">
+            <a:extLst>
+              <a:ext uri="{FF2B5EF4-FFF2-40B4-BE49-F238E27FC236}">
+                <a16:creationId xmlns:a16="http://schemas.microsoft.com/office/drawing/2014/main" id="{21BC6703-8F9C-A2FB-C109-60F836634499}"/>
+              </a:ext>
+            </a:extLst>
+          </p:cNvPr>
+          <p:cNvSpPr/>
+          <p:nvPr/>
+        </p:nvSpPr>
+        <p:spPr>
+          <a:xfrm>
+            <a:off x="361950" y="523875"/>
+            <a:ext cx="619126" cy="654486"/>
+          </a:xfrm>
+          <a:prstGeom prst="flowChartDelay">
+            <a:avLst/>
+          </a:prstGeom>
+          <a:solidFill>
+            <a:srgbClr val="061512"/>
+          </a:solidFill>
+          <a:ln>
+            <a:noFill/>
+          </a:ln>
+        </p:spPr>
+        <p:style>
+          <a:lnRef idx="2">
+            <a:schemeClr val="accent1">
+              <a:shade val="15000"/>
+            </a:schemeClr>
+          </a:lnRef>
+          <a:fillRef idx="1">
+            <a:schemeClr val="accent1"/>
+          </a:fillRef>
+          <a:effectRef idx="0">
+            <a:schemeClr val="accent1"/>
+          </a:effectRef>
+          <a:fontRef idx="minor">
+            <a:schemeClr val="lt1"/>
+          </a:fontRef>
+        </p:style>
+        <p:txBody>
+          <a:bodyPr rtlCol="0" anchor="ctr"/>
+          <a:lstStyle/>
+          <a:p>
+            <a:pPr algn="ctr"/>
+            <a:endParaRPr lang="ko-KR" altLang="en-US" dirty="0"/>
+          </a:p>
+        </p:txBody>
+      </p:sp>
+      <p:sp>
+        <p:nvSpPr>
+          <p:cNvPr id="6" name="TextBox 5">
+            <a:extLst>
+              <a:ext uri="{FF2B5EF4-FFF2-40B4-BE49-F238E27FC236}">
+                <a16:creationId xmlns:a16="http://schemas.microsoft.com/office/drawing/2014/main" id="{678DCA7D-A8F2-9798-A1E3-C5EE4C868621}"/>
+              </a:ext>
+            </a:extLst>
+          </p:cNvPr>
+          <p:cNvSpPr txBox="1"/>
+          <p:nvPr/>
+        </p:nvSpPr>
+        <p:spPr>
+          <a:xfrm>
+            <a:off x="447675" y="568255"/>
+            <a:ext cx="4352925" cy="584775"/>
+          </a:xfrm>
+          <a:prstGeom prst="rect">
+            <a:avLst/>
+          </a:prstGeom>
+          <a:noFill/>
+        </p:spPr>
+        <p:txBody>
+          <a:bodyPr wrap="square">
+            <a:spAutoFit/>
+          </a:bodyPr>
+          <a:lstStyle/>
+          <a:p>
+            <a:r>
+              <a:rPr lang="en-US" altLang="ko-KR" sz="3200" dirty="0">
+                <a:solidFill>
+                  <a:schemeClr val="bg1"/>
+                </a:solidFill>
+              </a:rPr>
+              <a:t>5</a:t>
+            </a:r>
+            <a:r>
+              <a:rPr lang="en-US" altLang="ko-KR" sz="3200" dirty="0"/>
+              <a:t>  </a:t>
+            </a:r>
+            <a:r>
+              <a:rPr lang="ko-KR" altLang="en-US" sz="3200" dirty="0"/>
               <a:t>프로그램 시연</a:t>
             </a:r>
             <a:endParaRPr lang="en-US" altLang="ko-KR" sz="3200" dirty="0"/>
@@ -9175,7 +9754,7 @@
 </p:sld>
 </file>
 
-<file path=ppt/slides/slide15.xml><?xml version="1.0" encoding="utf-8"?>
+<file path=ppt/slides/slide17.xml><?xml version="1.0" encoding="utf-8"?>
 <p:sld xmlns:a="http://schemas.openxmlformats.org/drawingml/2006/main" xmlns:r="http://schemas.openxmlformats.org/officeDocument/2006/relationships" xmlns:p="http://schemas.openxmlformats.org/presentationml/2006/main">
   <p:cSld>
     <p:bg>
@@ -9913,7 +10492,7 @@
             </a:r>
             <a:r>
               <a:rPr lang="ko-KR" altLang="en-US" sz="3200" dirty="0"/>
-              <a:t>프로그램 시연</a:t>
+              <a:t>구현</a:t>
             </a:r>
             <a:endParaRPr lang="en-US" altLang="ko-KR" sz="3200" dirty="0"/>
           </a:p>
@@ -9938,7 +10517,7 @@
             </a:r>
             <a:r>
               <a:rPr lang="ko-KR" altLang="en-US" sz="3200" dirty="0"/>
-              <a:t>프로젝트 참여 후기</a:t>
+              <a:t>프로그램 시연</a:t>
             </a:r>
             <a:endParaRPr lang="en-US" altLang="ko-KR" sz="3200" dirty="0"/>
           </a:p>
@@ -9959,7 +10538,7 @@
         <p:spPr>
           <a:xfrm>
             <a:off x="7272193" y="2586384"/>
-            <a:ext cx="3553559" cy="1569660"/>
+            <a:ext cx="3553559" cy="1938992"/>
           </a:xfrm>
           <a:prstGeom prst="rect">
             <a:avLst/>
@@ -10090,6 +10669,16 @@
               </a:rPr>
               <a:t>데이터베이스</a:t>
             </a:r>
+            <a:endParaRPr lang="en-US" altLang="ko-KR" sz="2400" dirty="0">
+              <a:solidFill>
+                <a:schemeClr val="tx1">
+                  <a:lumMod val="75000"/>
+                  <a:lumOff val="25000"/>
+                </a:schemeClr>
+              </a:solidFill>
+            </a:endParaRPr>
+          </a:p>
+          <a:p>
             <a:endParaRPr lang="en-US" altLang="ko-KR" sz="2400" dirty="0">
               <a:solidFill>
                 <a:schemeClr val="tx1">
@@ -10784,44 +11373,9 @@
             </a:pPr>
             <a:r>
               <a:rPr lang="ko-KR" altLang="en-US" sz="2100" dirty="0"/>
-              <a:t>공지 사항 구현</a:t>
-            </a:r>
-            <a:r>
-              <a:rPr lang="en-US" altLang="ko-KR" sz="2100" dirty="0"/>
-              <a:t> (</a:t>
-            </a:r>
-            <a:r>
-              <a:rPr lang="ko-KR" altLang="en-US" sz="2100" dirty="0"/>
-              <a:t>목록</a:t>
-            </a:r>
-            <a:r>
-              <a:rPr lang="en-US" altLang="ko-KR" sz="2100" dirty="0"/>
-              <a:t>, </a:t>
-            </a:r>
-            <a:r>
-              <a:rPr lang="ko-KR" altLang="en-US" sz="2100" dirty="0"/>
-              <a:t>작성</a:t>
-            </a:r>
-            <a:r>
-              <a:rPr lang="en-US" altLang="ko-KR" sz="2100" dirty="0"/>
-              <a:t>, </a:t>
-            </a:r>
-            <a:r>
-              <a:rPr lang="ko-KR" altLang="en-US" sz="2100" dirty="0"/>
-              <a:t>수정</a:t>
-            </a:r>
-            <a:r>
-              <a:rPr lang="en-US" altLang="ko-KR" sz="2100" dirty="0"/>
-              <a:t>, </a:t>
-            </a:r>
-            <a:r>
-              <a:rPr lang="ko-KR" altLang="en-US" sz="2100" dirty="0"/>
-              <a:t>삭제</a:t>
-            </a:r>
-            <a:r>
-              <a:rPr lang="en-US" altLang="ko-KR" sz="2100" dirty="0"/>
-              <a:t>)</a:t>
-            </a:r>
+              <a:t>공지 사항 개발</a:t>
+            </a:r>
+            <a:endParaRPr lang="en-US" altLang="ko-KR" sz="2100" dirty="0"/>
           </a:p>
           <a:p>
             <a:pPr>
@@ -11719,6 +12273,14 @@
             </a:pPr>
             <a:r>
               <a:rPr lang="en-US" altLang="ko-KR" sz="2100" dirty="0"/>
+              <a:t>HTML </a:t>
+            </a:r>
+            <a:r>
+              <a:rPr lang="ko-KR" altLang="en-US" sz="2100" dirty="0"/>
+              <a:t>골격 및 </a:t>
+            </a:r>
+            <a:r>
+              <a:rPr lang="en-US" altLang="ko-KR" sz="2100" dirty="0"/>
               <a:t>CSS </a:t>
             </a:r>
             <a:r>
@@ -11799,35 +12361,11 @@
             </a:r>
             <a:r>
               <a:rPr lang="en-US" altLang="ko-KR" sz="2100" dirty="0"/>
-              <a:t>, </a:t>
+              <a:t>,</a:t>
             </a:r>
             <a:r>
               <a:rPr lang="ko-KR" altLang="en-US" sz="2100" dirty="0"/>
-              <a:t>삭제</a:t>
-            </a:r>
-            <a:r>
-              <a:rPr lang="en-US" altLang="ko-KR" sz="2100" dirty="0"/>
-              <a:t>, </a:t>
-            </a:r>
-            <a:r>
-              <a:rPr lang="ko-KR" altLang="en-US" sz="2100" dirty="0"/>
-              <a:t>수정</a:t>
-            </a:r>
-            <a:r>
-              <a:rPr lang="en-US" altLang="ko-KR" sz="2100" dirty="0"/>
-              <a:t>(</a:t>
-            </a:r>
-            <a:r>
-              <a:rPr lang="ko-KR" altLang="en-US" sz="2100" dirty="0"/>
-              <a:t>미완</a:t>
-            </a:r>
-            <a:r>
-              <a:rPr lang="en-US" altLang="ko-KR" sz="2100" dirty="0"/>
-              <a:t>)</a:t>
-            </a:r>
-            <a:r>
-              <a:rPr lang="ko-KR" altLang="en-US" sz="2100" dirty="0"/>
-              <a:t> 개발</a:t>
+              <a:t>삭제 개발</a:t>
             </a:r>
             <a:endParaRPr lang="en-US" altLang="ko-KR" sz="2100" dirty="0"/>
           </a:p>
